--- a/Paper/Diagram3.pptx
+++ b/Paper/Diagram3.pptx
@@ -1792,11 +1792,11 @@
           <c:showPercent val="0"/>
           <c:showBubbleSize val="0"/>
         </c:dLbls>
-        <c:axId val="42476672"/>
-        <c:axId val="42477248"/>
+        <c:axId val="107545152"/>
+        <c:axId val="107549760"/>
       </c:scatterChart>
       <c:valAx>
-        <c:axId val="42476672"/>
+        <c:axId val="107545152"/>
         <c:scaling>
           <c:orientation val="minMax"/>
         </c:scaling>
@@ -1837,12 +1837,12 @@
         <c:majorTickMark val="out"/>
         <c:minorTickMark val="none"/>
         <c:tickLblPos val="nextTo"/>
-        <c:crossAx val="42477248"/>
+        <c:crossAx val="107549760"/>
         <c:crossesAt val="-0.1"/>
         <c:crossBetween val="midCat"/>
       </c:valAx>
       <c:valAx>
-        <c:axId val="42477248"/>
+        <c:axId val="107549760"/>
         <c:scaling>
           <c:orientation val="minMax"/>
         </c:scaling>
@@ -1877,7 +1877,7 @@
         <c:majorTickMark val="out"/>
         <c:minorTickMark val="none"/>
         <c:tickLblPos val="nextTo"/>
-        <c:crossAx val="42476672"/>
+        <c:crossAx val="107545152"/>
         <c:crosses val="autoZero"/>
         <c:crossBetween val="midCat"/>
       </c:valAx>
@@ -2090,7 +2090,7 @@
           <a:p>
             <a:fld id="{265C6F82-BE3C-4951-BB27-99DB2E52FD7E}" type="datetimeFigureOut">
               <a:rPr lang="en-US" smtClean="0"/>
-              <a:t>2/7/2015</a:t>
+              <a:t>2/16/2015</a:t>
             </a:fld>
             <a:endParaRPr lang="en-US"/>
           </a:p>
@@ -2260,7 +2260,7 @@
           <a:p>
             <a:fld id="{265C6F82-BE3C-4951-BB27-99DB2E52FD7E}" type="datetimeFigureOut">
               <a:rPr lang="en-US" smtClean="0"/>
-              <a:t>2/7/2015</a:t>
+              <a:t>2/16/2015</a:t>
             </a:fld>
             <a:endParaRPr lang="en-US"/>
           </a:p>
@@ -2440,7 +2440,7 @@
           <a:p>
             <a:fld id="{265C6F82-BE3C-4951-BB27-99DB2E52FD7E}" type="datetimeFigureOut">
               <a:rPr lang="en-US" smtClean="0"/>
-              <a:t>2/7/2015</a:t>
+              <a:t>2/16/2015</a:t>
             </a:fld>
             <a:endParaRPr lang="en-US"/>
           </a:p>
@@ -2610,7 +2610,7 @@
           <a:p>
             <a:fld id="{265C6F82-BE3C-4951-BB27-99DB2E52FD7E}" type="datetimeFigureOut">
               <a:rPr lang="en-US" smtClean="0"/>
-              <a:t>2/7/2015</a:t>
+              <a:t>2/16/2015</a:t>
             </a:fld>
             <a:endParaRPr lang="en-US"/>
           </a:p>
@@ -2856,7 +2856,7 @@
           <a:p>
             <a:fld id="{265C6F82-BE3C-4951-BB27-99DB2E52FD7E}" type="datetimeFigureOut">
               <a:rPr lang="en-US" smtClean="0"/>
-              <a:t>2/7/2015</a:t>
+              <a:t>2/16/2015</a:t>
             </a:fld>
             <a:endParaRPr lang="en-US"/>
           </a:p>
@@ -3144,7 +3144,7 @@
           <a:p>
             <a:fld id="{265C6F82-BE3C-4951-BB27-99DB2E52FD7E}" type="datetimeFigureOut">
               <a:rPr lang="en-US" smtClean="0"/>
-              <a:t>2/7/2015</a:t>
+              <a:t>2/16/2015</a:t>
             </a:fld>
             <a:endParaRPr lang="en-US"/>
           </a:p>
@@ -3566,7 +3566,7 @@
           <a:p>
             <a:fld id="{265C6F82-BE3C-4951-BB27-99DB2E52FD7E}" type="datetimeFigureOut">
               <a:rPr lang="en-US" smtClean="0"/>
-              <a:t>2/7/2015</a:t>
+              <a:t>2/16/2015</a:t>
             </a:fld>
             <a:endParaRPr lang="en-US"/>
           </a:p>
@@ -3684,7 +3684,7 @@
           <a:p>
             <a:fld id="{265C6F82-BE3C-4951-BB27-99DB2E52FD7E}" type="datetimeFigureOut">
               <a:rPr lang="en-US" smtClean="0"/>
-              <a:t>2/7/2015</a:t>
+              <a:t>2/16/2015</a:t>
             </a:fld>
             <a:endParaRPr lang="en-US"/>
           </a:p>
@@ -3779,7 +3779,7 @@
           <a:p>
             <a:fld id="{265C6F82-BE3C-4951-BB27-99DB2E52FD7E}" type="datetimeFigureOut">
               <a:rPr lang="en-US" smtClean="0"/>
-              <a:t>2/7/2015</a:t>
+              <a:t>2/16/2015</a:t>
             </a:fld>
             <a:endParaRPr lang="en-US"/>
           </a:p>
@@ -4056,7 +4056,7 @@
           <a:p>
             <a:fld id="{265C6F82-BE3C-4951-BB27-99DB2E52FD7E}" type="datetimeFigureOut">
               <a:rPr lang="en-US" smtClean="0"/>
-              <a:t>2/7/2015</a:t>
+              <a:t>2/16/2015</a:t>
             </a:fld>
             <a:endParaRPr lang="en-US"/>
           </a:p>
@@ -4309,7 +4309,7 @@
           <a:p>
             <a:fld id="{265C6F82-BE3C-4951-BB27-99DB2E52FD7E}" type="datetimeFigureOut">
               <a:rPr lang="en-US" smtClean="0"/>
-              <a:t>2/7/2015</a:t>
+              <a:t>2/16/2015</a:t>
             </a:fld>
             <a:endParaRPr lang="en-US"/>
           </a:p>
@@ -4522,7 +4522,7 @@
           <a:p>
             <a:fld id="{265C6F82-BE3C-4951-BB27-99DB2E52FD7E}" type="datetimeFigureOut">
               <a:rPr lang="en-US" smtClean="0"/>
-              <a:t>2/7/2015</a:t>
+              <a:t>2/16/2015</a:t>
             </a:fld>
             <a:endParaRPr lang="en-US"/>
           </a:p>
@@ -4906,7 +4906,7 @@
           <p:nvPr>
             <p:extLst>
               <p:ext uri="{D42A27DB-BD31-4B8C-83A1-F6EECF244321}">
-                <p14:modId xmlns:p14="http://schemas.microsoft.com/office/powerpoint/2010/main" val="3196334036"/>
+                <p14:modId xmlns:p14="http://schemas.microsoft.com/office/powerpoint/2010/main" val="4031138750"/>
               </p:ext>
             </p:extLst>
           </p:nvPr>
